--- a/Thesis/ThesisArbeit_V11/images/NEU_Virtuel_Arbeitsprozess.pptx
+++ b/Thesis/ThesisArbeit_V11/images/NEU_Virtuel_Arbeitsprozess.pptx
@@ -7,6 +7,7 @@
   <p:sldIdLst>
     <p:sldId id="256" r:id="rId2"/>
     <p:sldId id="257" r:id="rId3"/>
+    <p:sldId id="258" r:id="rId4"/>
   </p:sldIdLst>
   <p:sldSz cx="12192000" cy="6858000"/>
   <p:notesSz cx="6858000" cy="9144000"/>
@@ -262,7 +263,7 @@
           <a:p>
             <a:fld id="{7309E8AB-E798-400F-8EDB-77D86A5AA00D}" type="datetimeFigureOut">
               <a:rPr lang="de-DE" smtClean="0"/>
-              <a:t>16.05.2018</a:t>
+              <a:t>18.05.2018</a:t>
             </a:fld>
             <a:endParaRPr lang="de-DE"/>
           </a:p>
@@ -462,7 +463,7 @@
           <a:p>
             <a:fld id="{7309E8AB-E798-400F-8EDB-77D86A5AA00D}" type="datetimeFigureOut">
               <a:rPr lang="de-DE" smtClean="0"/>
-              <a:t>16.05.2018</a:t>
+              <a:t>18.05.2018</a:t>
             </a:fld>
             <a:endParaRPr lang="de-DE"/>
           </a:p>
@@ -672,7 +673,7 @@
           <a:p>
             <a:fld id="{7309E8AB-E798-400F-8EDB-77D86A5AA00D}" type="datetimeFigureOut">
               <a:rPr lang="de-DE" smtClean="0"/>
-              <a:t>16.05.2018</a:t>
+              <a:t>18.05.2018</a:t>
             </a:fld>
             <a:endParaRPr lang="de-DE"/>
           </a:p>
@@ -872,7 +873,7 @@
           <a:p>
             <a:fld id="{7309E8AB-E798-400F-8EDB-77D86A5AA00D}" type="datetimeFigureOut">
               <a:rPr lang="de-DE" smtClean="0"/>
-              <a:t>16.05.2018</a:t>
+              <a:t>18.05.2018</a:t>
             </a:fld>
             <a:endParaRPr lang="de-DE"/>
           </a:p>
@@ -1148,7 +1149,7 @@
           <a:p>
             <a:fld id="{7309E8AB-E798-400F-8EDB-77D86A5AA00D}" type="datetimeFigureOut">
               <a:rPr lang="de-DE" smtClean="0"/>
-              <a:t>16.05.2018</a:t>
+              <a:t>18.05.2018</a:t>
             </a:fld>
             <a:endParaRPr lang="de-DE"/>
           </a:p>
@@ -1416,7 +1417,7 @@
           <a:p>
             <a:fld id="{7309E8AB-E798-400F-8EDB-77D86A5AA00D}" type="datetimeFigureOut">
               <a:rPr lang="de-DE" smtClean="0"/>
-              <a:t>16.05.2018</a:t>
+              <a:t>18.05.2018</a:t>
             </a:fld>
             <a:endParaRPr lang="de-DE"/>
           </a:p>
@@ -1831,7 +1832,7 @@
           <a:p>
             <a:fld id="{7309E8AB-E798-400F-8EDB-77D86A5AA00D}" type="datetimeFigureOut">
               <a:rPr lang="de-DE" smtClean="0"/>
-              <a:t>16.05.2018</a:t>
+              <a:t>18.05.2018</a:t>
             </a:fld>
             <a:endParaRPr lang="de-DE"/>
           </a:p>
@@ -1973,7 +1974,7 @@
           <a:p>
             <a:fld id="{7309E8AB-E798-400F-8EDB-77D86A5AA00D}" type="datetimeFigureOut">
               <a:rPr lang="de-DE" smtClean="0"/>
-              <a:t>16.05.2018</a:t>
+              <a:t>18.05.2018</a:t>
             </a:fld>
             <a:endParaRPr lang="de-DE"/>
           </a:p>
@@ -2086,7 +2087,7 @@
           <a:p>
             <a:fld id="{7309E8AB-E798-400F-8EDB-77D86A5AA00D}" type="datetimeFigureOut">
               <a:rPr lang="de-DE" smtClean="0"/>
-              <a:t>16.05.2018</a:t>
+              <a:t>18.05.2018</a:t>
             </a:fld>
             <a:endParaRPr lang="de-DE"/>
           </a:p>
@@ -2399,7 +2400,7 @@
           <a:p>
             <a:fld id="{7309E8AB-E798-400F-8EDB-77D86A5AA00D}" type="datetimeFigureOut">
               <a:rPr lang="de-DE" smtClean="0"/>
-              <a:t>16.05.2018</a:t>
+              <a:t>18.05.2018</a:t>
             </a:fld>
             <a:endParaRPr lang="de-DE"/>
           </a:p>
@@ -2688,7 +2689,7 @@
           <a:p>
             <a:fld id="{7309E8AB-E798-400F-8EDB-77D86A5AA00D}" type="datetimeFigureOut">
               <a:rPr lang="de-DE" smtClean="0"/>
-              <a:t>16.05.2018</a:t>
+              <a:t>18.05.2018</a:t>
             </a:fld>
             <a:endParaRPr lang="de-DE"/>
           </a:p>
@@ -2931,7 +2932,7 @@
           <a:p>
             <a:fld id="{7309E8AB-E798-400F-8EDB-77D86A5AA00D}" type="datetimeFigureOut">
               <a:rPr lang="de-DE" smtClean="0"/>
-              <a:t>16.05.2018</a:t>
+              <a:t>18.05.2018</a:t>
             </a:fld>
             <a:endParaRPr lang="de-DE"/>
           </a:p>
@@ -4987,6 +4988,744 @@
 </p:sld>
 </file>
 
+<file path=ppt/slides/slide3.xml><?xml version="1.0" encoding="utf-8"?>
+<p:sld xmlns:a="http://schemas.openxmlformats.org/drawingml/2006/main" xmlns:r="http://schemas.openxmlformats.org/officeDocument/2006/relationships" xmlns:p="http://schemas.openxmlformats.org/presentationml/2006/main">
+  <p:cSld>
+    <p:spTree>
+      <p:nvGrpSpPr>
+        <p:cNvPr id="1" name=""/>
+        <p:cNvGrpSpPr/>
+        <p:nvPr/>
+      </p:nvGrpSpPr>
+      <p:grpSpPr>
+        <a:xfrm>
+          <a:off x="0" y="0"/>
+          <a:ext cx="0" cy="0"/>
+          <a:chOff x="0" y="0"/>
+          <a:chExt cx="0" cy="0"/>
+        </a:xfrm>
+      </p:grpSpPr>
+      <p:sp>
+        <p:nvSpPr>
+          <p:cNvPr id="2" name="Rectangle: Rounded Corners 1">
+            <a:extLst>
+              <a:ext uri="{FF2B5EF4-FFF2-40B4-BE49-F238E27FC236}">
+                <a16:creationId xmlns:a16="http://schemas.microsoft.com/office/drawing/2014/main" id="{01188CAC-8BF9-442C-A6B6-E392714E285A}"/>
+              </a:ext>
+            </a:extLst>
+          </p:cNvPr>
+          <p:cNvSpPr/>
+          <p:nvPr/>
+        </p:nvSpPr>
+        <p:spPr>
+          <a:xfrm>
+            <a:off x="318782" y="1812022"/>
+            <a:ext cx="2750190" cy="1375795"/>
+          </a:xfrm>
+          <a:prstGeom prst="roundRect">
+            <a:avLst/>
+          </a:prstGeom>
+          <a:solidFill>
+            <a:schemeClr val="accent5"/>
+          </a:solidFill>
+          <a:ln>
+            <a:noFill/>
+          </a:ln>
+        </p:spPr>
+        <p:style>
+          <a:lnRef idx="2">
+            <a:schemeClr val="accent1">
+              <a:shade val="50000"/>
+            </a:schemeClr>
+          </a:lnRef>
+          <a:fillRef idx="1">
+            <a:schemeClr val="accent1"/>
+          </a:fillRef>
+          <a:effectRef idx="0">
+            <a:schemeClr val="accent1"/>
+          </a:effectRef>
+          <a:fontRef idx="minor">
+            <a:schemeClr val="lt1"/>
+          </a:fontRef>
+        </p:style>
+        <p:txBody>
+          <a:bodyPr rtlCol="0" anchor="ctr"/>
+          <a:lstStyle/>
+          <a:p>
+            <a:pPr algn="ctr"/>
+            <a:r>
+              <a:rPr lang="de-DE" dirty="0"/>
+              <a:t>Aufnahme Stereobilder</a:t>
+            </a:r>
+          </a:p>
+        </p:txBody>
+      </p:sp>
+      <p:sp>
+        <p:nvSpPr>
+          <p:cNvPr id="3" name="TextBox 2">
+            <a:extLst>
+              <a:ext uri="{FF2B5EF4-FFF2-40B4-BE49-F238E27FC236}">
+                <a16:creationId xmlns:a16="http://schemas.microsoft.com/office/drawing/2014/main" id="{9EB72586-DFB3-4B4E-85ED-D4A42189C590}"/>
+              </a:ext>
+            </a:extLst>
+          </p:cNvPr>
+          <p:cNvSpPr txBox="1"/>
+          <p:nvPr/>
+        </p:nvSpPr>
+        <p:spPr>
+          <a:xfrm>
+            <a:off x="318782" y="386205"/>
+            <a:ext cx="2750190" cy="461665"/>
+          </a:xfrm>
+          <a:prstGeom prst="rect">
+            <a:avLst/>
+          </a:prstGeom>
+          <a:noFill/>
+        </p:spPr>
+        <p:txBody>
+          <a:bodyPr wrap="square" rtlCol="0">
+            <a:spAutoFit/>
+          </a:bodyPr>
+          <a:lstStyle/>
+          <a:p>
+            <a:r>
+              <a:rPr lang="de-DE" sz="2400" dirty="0"/>
+              <a:t>Bildaufnahme</a:t>
+            </a:r>
+          </a:p>
+        </p:txBody>
+      </p:sp>
+      <p:sp>
+        <p:nvSpPr>
+          <p:cNvPr id="4" name="TextBox 3">
+            <a:extLst>
+              <a:ext uri="{FF2B5EF4-FFF2-40B4-BE49-F238E27FC236}">
+                <a16:creationId xmlns:a16="http://schemas.microsoft.com/office/drawing/2014/main" id="{6AFB02F2-BCDB-4745-9564-0D00BE8C5F35}"/>
+              </a:ext>
+            </a:extLst>
+          </p:cNvPr>
+          <p:cNvSpPr txBox="1"/>
+          <p:nvPr/>
+        </p:nvSpPr>
+        <p:spPr>
+          <a:xfrm>
+            <a:off x="3486339" y="377815"/>
+            <a:ext cx="2750190" cy="461665"/>
+          </a:xfrm>
+          <a:prstGeom prst="rect">
+            <a:avLst/>
+          </a:prstGeom>
+          <a:noFill/>
+        </p:spPr>
+        <p:txBody>
+          <a:bodyPr wrap="square" rtlCol="0">
+            <a:spAutoFit/>
+          </a:bodyPr>
+          <a:lstStyle/>
+          <a:p>
+            <a:r>
+              <a:rPr lang="de-DE" sz="2400" dirty="0"/>
+              <a:t>Bildverarbeitung</a:t>
+            </a:r>
+          </a:p>
+        </p:txBody>
+      </p:sp>
+      <p:sp>
+        <p:nvSpPr>
+          <p:cNvPr id="5" name="Rectangle: Rounded Corners 4">
+            <a:extLst>
+              <a:ext uri="{FF2B5EF4-FFF2-40B4-BE49-F238E27FC236}">
+                <a16:creationId xmlns:a16="http://schemas.microsoft.com/office/drawing/2014/main" id="{0C44A44E-5730-45C2-AFE5-6AAA3D829C24}"/>
+              </a:ext>
+            </a:extLst>
+          </p:cNvPr>
+          <p:cNvSpPr/>
+          <p:nvPr/>
+        </p:nvSpPr>
+        <p:spPr>
+          <a:xfrm>
+            <a:off x="3273104" y="1812022"/>
+            <a:ext cx="2750190" cy="1375795"/>
+          </a:xfrm>
+          <a:prstGeom prst="roundRect">
+            <a:avLst/>
+          </a:prstGeom>
+          <a:solidFill>
+            <a:schemeClr val="accent5"/>
+          </a:solidFill>
+          <a:ln>
+            <a:noFill/>
+          </a:ln>
+        </p:spPr>
+        <p:style>
+          <a:lnRef idx="2">
+            <a:schemeClr val="accent1">
+              <a:shade val="50000"/>
+            </a:schemeClr>
+          </a:lnRef>
+          <a:fillRef idx="1">
+            <a:schemeClr val="accent1"/>
+          </a:fillRef>
+          <a:effectRef idx="0">
+            <a:schemeClr val="accent1"/>
+          </a:effectRef>
+          <a:fontRef idx="minor">
+            <a:schemeClr val="lt1"/>
+          </a:fontRef>
+        </p:style>
+        <p:txBody>
+          <a:bodyPr rtlCol="0" anchor="ctr"/>
+          <a:lstStyle/>
+          <a:p>
+            <a:pPr algn="ctr"/>
+            <a:r>
+              <a:rPr lang="de-DE" dirty="0"/>
+              <a:t>Detektion korrespondierender BildPunkte</a:t>
+            </a:r>
+          </a:p>
+        </p:txBody>
+      </p:sp>
+      <p:sp>
+        <p:nvSpPr>
+          <p:cNvPr id="6" name="TextBox 5">
+            <a:extLst>
+              <a:ext uri="{FF2B5EF4-FFF2-40B4-BE49-F238E27FC236}">
+                <a16:creationId xmlns:a16="http://schemas.microsoft.com/office/drawing/2014/main" id="{560512F3-4513-4F30-AA78-CA51DB520130}"/>
+              </a:ext>
+            </a:extLst>
+          </p:cNvPr>
+          <p:cNvSpPr txBox="1"/>
+          <p:nvPr/>
+        </p:nvSpPr>
+        <p:spPr>
+          <a:xfrm>
+            <a:off x="6392069" y="377816"/>
+            <a:ext cx="2750190" cy="461665"/>
+          </a:xfrm>
+          <a:prstGeom prst="rect">
+            <a:avLst/>
+          </a:prstGeom>
+          <a:noFill/>
+        </p:spPr>
+        <p:txBody>
+          <a:bodyPr wrap="square" rtlCol="0">
+            <a:spAutoFit/>
+          </a:bodyPr>
+          <a:lstStyle/>
+          <a:p>
+            <a:r>
+              <a:rPr lang="de-DE" sz="2400" dirty="0"/>
+              <a:t>Bildanalyse</a:t>
+            </a:r>
+          </a:p>
+        </p:txBody>
+      </p:sp>
+      <p:sp>
+        <p:nvSpPr>
+          <p:cNvPr id="7" name="Rectangle: Rounded Corners 6">
+            <a:extLst>
+              <a:ext uri="{FF2B5EF4-FFF2-40B4-BE49-F238E27FC236}">
+                <a16:creationId xmlns:a16="http://schemas.microsoft.com/office/drawing/2014/main" id="{FB9437E5-C509-4BAA-9827-D4A454F33DD3}"/>
+              </a:ext>
+            </a:extLst>
+          </p:cNvPr>
+          <p:cNvSpPr/>
+          <p:nvPr/>
+        </p:nvSpPr>
+        <p:spPr>
+          <a:xfrm>
+            <a:off x="6198066" y="1812021"/>
+            <a:ext cx="2750190" cy="1375795"/>
+          </a:xfrm>
+          <a:prstGeom prst="roundRect">
+            <a:avLst/>
+          </a:prstGeom>
+          <a:solidFill>
+            <a:schemeClr val="accent5"/>
+          </a:solidFill>
+          <a:ln>
+            <a:noFill/>
+          </a:ln>
+        </p:spPr>
+        <p:style>
+          <a:lnRef idx="2">
+            <a:schemeClr val="accent1">
+              <a:shade val="50000"/>
+            </a:schemeClr>
+          </a:lnRef>
+          <a:fillRef idx="1">
+            <a:schemeClr val="accent1"/>
+          </a:fillRef>
+          <a:effectRef idx="0">
+            <a:schemeClr val="accent1"/>
+          </a:effectRef>
+          <a:fontRef idx="minor">
+            <a:schemeClr val="lt1"/>
+          </a:fontRef>
+        </p:style>
+        <p:txBody>
+          <a:bodyPr rtlCol="0" anchor="ctr"/>
+          <a:lstStyle/>
+          <a:p>
+            <a:pPr algn="ctr"/>
+            <a:r>
+              <a:rPr lang="de-DE" dirty="0"/>
+              <a:t>Rektifizierung</a:t>
+            </a:r>
+          </a:p>
+        </p:txBody>
+      </p:sp>
+      <p:sp>
+        <p:nvSpPr>
+          <p:cNvPr id="8" name="Rectangle: Rounded Corners 7">
+            <a:extLst>
+              <a:ext uri="{FF2B5EF4-FFF2-40B4-BE49-F238E27FC236}">
+                <a16:creationId xmlns:a16="http://schemas.microsoft.com/office/drawing/2014/main" id="{8DC7826A-2882-4100-9315-1DFB1537473B}"/>
+              </a:ext>
+            </a:extLst>
+          </p:cNvPr>
+          <p:cNvSpPr/>
+          <p:nvPr/>
+        </p:nvSpPr>
+        <p:spPr>
+          <a:xfrm>
+            <a:off x="3271706" y="3282232"/>
+            <a:ext cx="2711727" cy="3487684"/>
+          </a:xfrm>
+          <a:prstGeom prst="roundRect">
+            <a:avLst/>
+          </a:prstGeom>
+          <a:solidFill>
+            <a:schemeClr val="accent5">
+              <a:lumMod val="60000"/>
+              <a:lumOff val="40000"/>
+            </a:schemeClr>
+          </a:solidFill>
+          <a:ln>
+            <a:noFill/>
+          </a:ln>
+        </p:spPr>
+        <p:style>
+          <a:lnRef idx="2">
+            <a:schemeClr val="accent1">
+              <a:shade val="50000"/>
+            </a:schemeClr>
+          </a:lnRef>
+          <a:fillRef idx="1">
+            <a:schemeClr val="accent1"/>
+          </a:fillRef>
+          <a:effectRef idx="0">
+            <a:schemeClr val="accent1"/>
+          </a:effectRef>
+          <a:fontRef idx="minor">
+            <a:schemeClr val="lt1"/>
+          </a:fontRef>
+        </p:style>
+        <p:txBody>
+          <a:bodyPr rtlCol="0" anchor="ctr"/>
+          <a:lstStyle/>
+          <a:p>
+            <a:pPr algn="ctr"/>
+            <a:r>
+              <a:rPr lang="de-DE" dirty="0"/>
+              <a:t>Detektion und Normierung korrespondierender Punkte</a:t>
+            </a:r>
+          </a:p>
+        </p:txBody>
+      </p:sp>
+      <p:sp>
+        <p:nvSpPr>
+          <p:cNvPr id="9" name="Rectangle: Rounded Corners 8">
+            <a:extLst>
+              <a:ext uri="{FF2B5EF4-FFF2-40B4-BE49-F238E27FC236}">
+                <a16:creationId xmlns:a16="http://schemas.microsoft.com/office/drawing/2014/main" id="{9011CF64-4BFC-4886-88AE-923BFEA52FD5}"/>
+              </a:ext>
+            </a:extLst>
+          </p:cNvPr>
+          <p:cNvSpPr/>
+          <p:nvPr/>
+        </p:nvSpPr>
+        <p:spPr>
+          <a:xfrm>
+            <a:off x="318781" y="3280136"/>
+            <a:ext cx="2711727" cy="3487684"/>
+          </a:xfrm>
+          <a:prstGeom prst="roundRect">
+            <a:avLst/>
+          </a:prstGeom>
+          <a:solidFill>
+            <a:schemeClr val="accent5">
+              <a:lumMod val="60000"/>
+              <a:lumOff val="40000"/>
+            </a:schemeClr>
+          </a:solidFill>
+          <a:ln>
+            <a:noFill/>
+          </a:ln>
+        </p:spPr>
+        <p:style>
+          <a:lnRef idx="2">
+            <a:schemeClr val="accent1">
+              <a:shade val="50000"/>
+            </a:schemeClr>
+          </a:lnRef>
+          <a:fillRef idx="1">
+            <a:schemeClr val="accent1"/>
+          </a:fillRef>
+          <a:effectRef idx="0">
+            <a:schemeClr val="accent1"/>
+          </a:effectRef>
+          <a:fontRef idx="minor">
+            <a:schemeClr val="lt1"/>
+          </a:fontRef>
+        </p:style>
+        <p:txBody>
+          <a:bodyPr rtlCol="0" anchor="ctr"/>
+          <a:lstStyle/>
+          <a:p>
+            <a:pPr algn="ctr"/>
+            <a:r>
+              <a:rPr lang="de-DE" dirty="0"/>
+              <a:t>Die Kameraauflösungen müssen die gleichen sein</a:t>
+            </a:r>
+          </a:p>
+        </p:txBody>
+      </p:sp>
+      <p:sp>
+        <p:nvSpPr>
+          <p:cNvPr id="10" name="Rectangle: Rounded Corners 9">
+            <a:extLst>
+              <a:ext uri="{FF2B5EF4-FFF2-40B4-BE49-F238E27FC236}">
+                <a16:creationId xmlns:a16="http://schemas.microsoft.com/office/drawing/2014/main" id="{2635692D-742D-4831-A26D-A879E7C50C61}"/>
+              </a:ext>
+            </a:extLst>
+          </p:cNvPr>
+          <p:cNvSpPr/>
+          <p:nvPr/>
+        </p:nvSpPr>
+        <p:spPr>
+          <a:xfrm>
+            <a:off x="6236529" y="3280135"/>
+            <a:ext cx="2711727" cy="3487684"/>
+          </a:xfrm>
+          <a:prstGeom prst="roundRect">
+            <a:avLst/>
+          </a:prstGeom>
+          <a:solidFill>
+            <a:schemeClr val="accent5">
+              <a:lumMod val="60000"/>
+              <a:lumOff val="40000"/>
+            </a:schemeClr>
+          </a:solidFill>
+          <a:ln>
+            <a:noFill/>
+          </a:ln>
+        </p:spPr>
+        <p:style>
+          <a:lnRef idx="2">
+            <a:schemeClr val="accent1">
+              <a:shade val="50000"/>
+            </a:schemeClr>
+          </a:lnRef>
+          <a:fillRef idx="1">
+            <a:schemeClr val="accent1"/>
+          </a:fillRef>
+          <a:effectRef idx="0">
+            <a:schemeClr val="accent1"/>
+          </a:effectRef>
+          <a:fontRef idx="minor">
+            <a:schemeClr val="lt1"/>
+          </a:fontRef>
+        </p:style>
+        <p:txBody>
+          <a:bodyPr rtlCol="0" anchor="ctr"/>
+          <a:lstStyle/>
+          <a:p>
+            <a:pPr algn="ctr"/>
+            <a:r>
+              <a:rPr lang="de-DE" dirty="0"/>
+              <a:t>Bestimmung der Fundamentalmatrix und anwenden eines Rektifizierungs-algorithmus</a:t>
+            </a:r>
+          </a:p>
+        </p:txBody>
+      </p:sp>
+      <p:sp>
+        <p:nvSpPr>
+          <p:cNvPr id="11" name="Rectangle: Rounded Corners 10">
+            <a:extLst>
+              <a:ext uri="{FF2B5EF4-FFF2-40B4-BE49-F238E27FC236}">
+                <a16:creationId xmlns:a16="http://schemas.microsoft.com/office/drawing/2014/main" id="{068E4E9C-2707-4271-BF3E-D244C9AA0757}"/>
+              </a:ext>
+            </a:extLst>
+          </p:cNvPr>
+          <p:cNvSpPr/>
+          <p:nvPr/>
+        </p:nvSpPr>
+        <p:spPr>
+          <a:xfrm>
+            <a:off x="9123028" y="1812022"/>
+            <a:ext cx="2750190" cy="1375795"/>
+          </a:xfrm>
+          <a:prstGeom prst="roundRect">
+            <a:avLst/>
+          </a:prstGeom>
+          <a:solidFill>
+            <a:schemeClr val="accent5"/>
+          </a:solidFill>
+          <a:ln>
+            <a:noFill/>
+          </a:ln>
+        </p:spPr>
+        <p:style>
+          <a:lnRef idx="2">
+            <a:schemeClr val="accent1">
+              <a:shade val="50000"/>
+            </a:schemeClr>
+          </a:lnRef>
+          <a:fillRef idx="1">
+            <a:schemeClr val="accent1"/>
+          </a:fillRef>
+          <a:effectRef idx="0">
+            <a:schemeClr val="accent1"/>
+          </a:effectRef>
+          <a:fontRef idx="minor">
+            <a:schemeClr val="lt1"/>
+          </a:fontRef>
+        </p:style>
+        <p:txBody>
+          <a:bodyPr rtlCol="0" anchor="ctr"/>
+          <a:lstStyle/>
+          <a:p>
+            <a:pPr algn="ctr"/>
+            <a:r>
+              <a:rPr lang="de-DE" dirty="0"/>
+              <a:t>Szenenrekonstruktion durch Tiefenkarte</a:t>
+            </a:r>
+          </a:p>
+        </p:txBody>
+      </p:sp>
+      <p:sp>
+        <p:nvSpPr>
+          <p:cNvPr id="12" name="Rectangle: Rounded Corners 11">
+            <a:extLst>
+              <a:ext uri="{FF2B5EF4-FFF2-40B4-BE49-F238E27FC236}">
+                <a16:creationId xmlns:a16="http://schemas.microsoft.com/office/drawing/2014/main" id="{BA41B691-C897-451E-AA3D-13746E75218C}"/>
+              </a:ext>
+            </a:extLst>
+          </p:cNvPr>
+          <p:cNvSpPr/>
+          <p:nvPr/>
+        </p:nvSpPr>
+        <p:spPr>
+          <a:xfrm>
+            <a:off x="9142259" y="3280135"/>
+            <a:ext cx="2711727" cy="3487684"/>
+          </a:xfrm>
+          <a:prstGeom prst="roundRect">
+            <a:avLst/>
+          </a:prstGeom>
+          <a:solidFill>
+            <a:schemeClr val="accent5">
+              <a:lumMod val="60000"/>
+              <a:lumOff val="40000"/>
+            </a:schemeClr>
+          </a:solidFill>
+          <a:ln>
+            <a:noFill/>
+          </a:ln>
+        </p:spPr>
+        <p:style>
+          <a:lnRef idx="2">
+            <a:schemeClr val="accent1">
+              <a:shade val="50000"/>
+            </a:schemeClr>
+          </a:lnRef>
+          <a:fillRef idx="1">
+            <a:schemeClr val="accent1"/>
+          </a:fillRef>
+          <a:effectRef idx="0">
+            <a:schemeClr val="accent1"/>
+          </a:effectRef>
+          <a:fontRef idx="minor">
+            <a:schemeClr val="lt1"/>
+          </a:fontRef>
+        </p:style>
+        <p:txBody>
+          <a:bodyPr rtlCol="0" anchor="ctr"/>
+          <a:lstStyle/>
+          <a:p>
+            <a:pPr algn="ctr"/>
+            <a:r>
+              <a:rPr lang="de-DE"/>
+              <a:t>Horzontale Differenz </a:t>
+            </a:r>
+            <a:r>
+              <a:rPr lang="de-DE" dirty="0"/>
+              <a:t>der korrespondierenden Punkte gibt Aufschluss über deren Tiefe.</a:t>
+            </a:r>
+          </a:p>
+        </p:txBody>
+      </p:sp>
+      <p:sp>
+        <p:nvSpPr>
+          <p:cNvPr id="13" name="Arrow: Right 12">
+            <a:extLst>
+              <a:ext uri="{FF2B5EF4-FFF2-40B4-BE49-F238E27FC236}">
+                <a16:creationId xmlns:a16="http://schemas.microsoft.com/office/drawing/2014/main" id="{BF951B80-6459-4A95-B0D6-AF57284B85E7}"/>
+              </a:ext>
+            </a:extLst>
+          </p:cNvPr>
+          <p:cNvSpPr/>
+          <p:nvPr/>
+        </p:nvSpPr>
+        <p:spPr>
+          <a:xfrm>
+            <a:off x="2947502" y="2386686"/>
+            <a:ext cx="436571" cy="318783"/>
+          </a:xfrm>
+          <a:prstGeom prst="rightArrow">
+            <a:avLst/>
+          </a:prstGeom>
+          <a:solidFill>
+            <a:schemeClr val="accent6"/>
+          </a:solidFill>
+        </p:spPr>
+        <p:style>
+          <a:lnRef idx="2">
+            <a:schemeClr val="accent1">
+              <a:shade val="50000"/>
+            </a:schemeClr>
+          </a:lnRef>
+          <a:fillRef idx="1">
+            <a:schemeClr val="accent1"/>
+          </a:fillRef>
+          <a:effectRef idx="0">
+            <a:schemeClr val="accent1"/>
+          </a:effectRef>
+          <a:fontRef idx="minor">
+            <a:schemeClr val="lt1"/>
+          </a:fontRef>
+        </p:style>
+        <p:txBody>
+          <a:bodyPr rtlCol="0" anchor="ctr"/>
+          <a:lstStyle/>
+          <a:p>
+            <a:pPr algn="ctr"/>
+            <a:endParaRPr lang="de-DE"/>
+          </a:p>
+        </p:txBody>
+      </p:sp>
+      <p:sp>
+        <p:nvSpPr>
+          <p:cNvPr id="14" name="Arrow: Right 13">
+            <a:extLst>
+              <a:ext uri="{FF2B5EF4-FFF2-40B4-BE49-F238E27FC236}">
+                <a16:creationId xmlns:a16="http://schemas.microsoft.com/office/drawing/2014/main" id="{1228F551-52BC-41C2-A744-1E77FDBDAC6C}"/>
+              </a:ext>
+            </a:extLst>
+          </p:cNvPr>
+          <p:cNvSpPr/>
+          <p:nvPr/>
+        </p:nvSpPr>
+        <p:spPr>
+          <a:xfrm>
+            <a:off x="5935384" y="2396473"/>
+            <a:ext cx="436571" cy="318783"/>
+          </a:xfrm>
+          <a:prstGeom prst="rightArrow">
+            <a:avLst/>
+          </a:prstGeom>
+          <a:solidFill>
+            <a:schemeClr val="accent6"/>
+          </a:solidFill>
+        </p:spPr>
+        <p:style>
+          <a:lnRef idx="2">
+            <a:schemeClr val="accent1">
+              <a:shade val="50000"/>
+            </a:schemeClr>
+          </a:lnRef>
+          <a:fillRef idx="1">
+            <a:schemeClr val="accent1"/>
+          </a:fillRef>
+          <a:effectRef idx="0">
+            <a:schemeClr val="accent1"/>
+          </a:effectRef>
+          <a:fontRef idx="minor">
+            <a:schemeClr val="lt1"/>
+          </a:fontRef>
+        </p:style>
+        <p:txBody>
+          <a:bodyPr rtlCol="0" anchor="ctr"/>
+          <a:lstStyle/>
+          <a:p>
+            <a:pPr algn="ctr"/>
+            <a:endParaRPr lang="de-DE" dirty="0"/>
+          </a:p>
+        </p:txBody>
+      </p:sp>
+      <p:sp>
+        <p:nvSpPr>
+          <p:cNvPr id="15" name="Arrow: Right 14">
+            <a:extLst>
+              <a:ext uri="{FF2B5EF4-FFF2-40B4-BE49-F238E27FC236}">
+                <a16:creationId xmlns:a16="http://schemas.microsoft.com/office/drawing/2014/main" id="{1B33282E-5397-44B0-9A86-3279CD2F4230}"/>
+              </a:ext>
+            </a:extLst>
+          </p:cNvPr>
+          <p:cNvSpPr/>
+          <p:nvPr/>
+        </p:nvSpPr>
+        <p:spPr>
+          <a:xfrm>
+            <a:off x="8822598" y="2389482"/>
+            <a:ext cx="436571" cy="318783"/>
+          </a:xfrm>
+          <a:prstGeom prst="rightArrow">
+            <a:avLst/>
+          </a:prstGeom>
+          <a:solidFill>
+            <a:schemeClr val="accent6"/>
+          </a:solidFill>
+        </p:spPr>
+        <p:style>
+          <a:lnRef idx="2">
+            <a:schemeClr val="accent1">
+              <a:shade val="50000"/>
+            </a:schemeClr>
+          </a:lnRef>
+          <a:fillRef idx="1">
+            <a:schemeClr val="accent1"/>
+          </a:fillRef>
+          <a:effectRef idx="0">
+            <a:schemeClr val="accent1"/>
+          </a:effectRef>
+          <a:fontRef idx="minor">
+            <a:schemeClr val="lt1"/>
+          </a:fontRef>
+        </p:style>
+        <p:txBody>
+          <a:bodyPr rtlCol="0" anchor="ctr"/>
+          <a:lstStyle/>
+          <a:p>
+            <a:pPr algn="ctr"/>
+            <a:endParaRPr lang="de-DE"/>
+          </a:p>
+        </p:txBody>
+      </p:sp>
+    </p:spTree>
+    <p:extLst>
+      <p:ext uri="{BB962C8B-B14F-4D97-AF65-F5344CB8AC3E}">
+        <p14:creationId xmlns:p14="http://schemas.microsoft.com/office/powerpoint/2010/main" val="3755620915"/>
+      </p:ext>
+    </p:extLst>
+  </p:cSld>
+  <p:clrMapOvr>
+    <a:masterClrMapping/>
+  </p:clrMapOvr>
+</p:sld>
+</file>
+
 <file path=ppt/theme/theme1.xml><?xml version="1.0" encoding="utf-8"?>
 <a:theme xmlns:a="http://schemas.openxmlformats.org/drawingml/2006/main" name="Office Theme">
   <a:themeElements>
